--- a/Unidad 1/Clases/C1-5/C1-5 Visualización de datos.pptx
+++ b/Unidad 1/Clases/C1-5/C1-5 Visualización de datos.pptx
@@ -4395,7 +4395,7 @@
                 <a:effectLst/>
                 <a:latin typeface="News Cycle"/>
               </a:rPr>
-              <a:t>Un gráfico se ggplot2 inicia usando la función </a:t>
+              <a:t>Un gráfico de ggplot2 inicia usando la función </a:t>
             </a:r>
             <a:r>
               <a:rPr lang="es-EC" sz="2000" i="0" dirty="0" err="1">
